--- a/Project Analysis.pptx
+++ b/Project Analysis.pptx
@@ -5,20 +5,21 @@
     <p:sldMasterId id="2147483648" r:id="rId4"/>
   </p:sldMasterIdLst>
   <p:notesMasterIdLst>
-    <p:notesMasterId r:id="rId13"/>
+    <p:notesMasterId r:id="rId14"/>
   </p:notesMasterIdLst>
   <p:handoutMasterIdLst>
-    <p:handoutMasterId r:id="rId14"/>
+    <p:handoutMasterId r:id="rId15"/>
   </p:handoutMasterIdLst>
   <p:sldIdLst>
     <p:sldId id="256" r:id="rId5"/>
     <p:sldId id="288" r:id="rId6"/>
     <p:sldId id="289" r:id="rId7"/>
     <p:sldId id="260" r:id="rId8"/>
-    <p:sldId id="290" r:id="rId9"/>
-    <p:sldId id="291" r:id="rId10"/>
-    <p:sldId id="292" r:id="rId11"/>
-    <p:sldId id="285" r:id="rId12"/>
+    <p:sldId id="293" r:id="rId9"/>
+    <p:sldId id="290" r:id="rId10"/>
+    <p:sldId id="291" r:id="rId11"/>
+    <p:sldId id="292" r:id="rId12"/>
+    <p:sldId id="285" r:id="rId13"/>
   </p:sldIdLst>
   <p:sldSz cx="12192000" cy="6858000"/>
   <p:notesSz cx="6858000" cy="9144000"/>
@@ -253,7 +254,7 @@
           <a:p>
             <a:fld id="{6E5C0719-993D-42E1-80ED-8F01056F36C2}" type="datetimeFigureOut">
               <a:rPr lang="en-US" smtClean="0"/>
-              <a:t>3/26/2021</a:t>
+              <a:t>3/30/2021</a:t>
             </a:fld>
             <a:endParaRPr lang="en-US" dirty="0"/>
           </a:p>
@@ -430,7 +431,7 @@
           <a:p>
             <a:fld id="{21D3BC9C-6C58-464F-B94E-FD73C5FB016E}" type="datetimeFigureOut">
               <a:rPr lang="en-US" smtClean="0"/>
-              <a:t>3/26/2021</a:t>
+              <a:t>3/30/2021</a:t>
             </a:fld>
             <a:endParaRPr lang="en-US" dirty="0"/>
           </a:p>
@@ -846,7 +847,7 @@
           <a:p>
             <a:fld id="{BE60DC36-8EFA-4378-9855-E019C55AC472}" type="slidenum">
               <a:rPr lang="en-US" smtClean="0"/>
-              <a:t>8</a:t>
+              <a:t>9</a:t>
             </a:fld>
             <a:endParaRPr lang="en-US" dirty="0"/>
           </a:p>
@@ -1012,7 +1013,7 @@
           <a:p>
             <a:fld id="{40DA1498-92C7-4E4B-8045-C9195F453964}" type="datetimeFigureOut">
               <a:rPr lang="en-US" smtClean="0"/>
-              <a:t>3/26/2021</a:t>
+              <a:t>3/30/2021</a:t>
             </a:fld>
             <a:endParaRPr lang="en-US" dirty="0"/>
           </a:p>
@@ -1210,7 +1211,7 @@
           <a:p>
             <a:fld id="{40DA1498-92C7-4E4B-8045-C9195F453964}" type="datetimeFigureOut">
               <a:rPr lang="en-US" smtClean="0"/>
-              <a:t>3/26/2021</a:t>
+              <a:t>3/30/2021</a:t>
             </a:fld>
             <a:endParaRPr lang="en-US" dirty="0"/>
           </a:p>
@@ -1418,7 +1419,7 @@
           <a:p>
             <a:fld id="{40DA1498-92C7-4E4B-8045-C9195F453964}" type="datetimeFigureOut">
               <a:rPr lang="en-US" smtClean="0"/>
-              <a:t>3/26/2021</a:t>
+              <a:t>3/30/2021</a:t>
             </a:fld>
             <a:endParaRPr lang="en-US" dirty="0"/>
           </a:p>
@@ -1616,7 +1617,7 @@
           <a:p>
             <a:fld id="{40DA1498-92C7-4E4B-8045-C9195F453964}" type="datetimeFigureOut">
               <a:rPr lang="en-US" smtClean="0"/>
-              <a:t>3/26/2021</a:t>
+              <a:t>3/30/2021</a:t>
             </a:fld>
             <a:endParaRPr lang="en-US" dirty="0"/>
           </a:p>
@@ -1891,7 +1892,7 @@
           <a:p>
             <a:fld id="{40DA1498-92C7-4E4B-8045-C9195F453964}" type="datetimeFigureOut">
               <a:rPr lang="en-US" smtClean="0"/>
-              <a:t>3/26/2021</a:t>
+              <a:t>3/30/2021</a:t>
             </a:fld>
             <a:endParaRPr lang="en-US" dirty="0"/>
           </a:p>
@@ -2156,7 +2157,7 @@
           <a:p>
             <a:fld id="{40DA1498-92C7-4E4B-8045-C9195F453964}" type="datetimeFigureOut">
               <a:rPr lang="en-US" smtClean="0"/>
-              <a:t>3/26/2021</a:t>
+              <a:t>3/30/2021</a:t>
             </a:fld>
             <a:endParaRPr lang="en-US" dirty="0"/>
           </a:p>
@@ -2568,7 +2569,7 @@
           <a:p>
             <a:fld id="{40DA1498-92C7-4E4B-8045-C9195F453964}" type="datetimeFigureOut">
               <a:rPr lang="en-US" smtClean="0"/>
-              <a:t>3/26/2021</a:t>
+              <a:t>3/30/2021</a:t>
             </a:fld>
             <a:endParaRPr lang="en-US" dirty="0"/>
           </a:p>
@@ -2709,7 +2710,7 @@
           <a:p>
             <a:fld id="{40DA1498-92C7-4E4B-8045-C9195F453964}" type="datetimeFigureOut">
               <a:rPr lang="en-US" smtClean="0"/>
-              <a:t>3/26/2021</a:t>
+              <a:t>3/30/2021</a:t>
             </a:fld>
             <a:endParaRPr lang="en-US" dirty="0"/>
           </a:p>
@@ -2822,7 +2823,7 @@
           <a:p>
             <a:fld id="{40DA1498-92C7-4E4B-8045-C9195F453964}" type="datetimeFigureOut">
               <a:rPr lang="en-US" smtClean="0"/>
-              <a:t>3/26/2021</a:t>
+              <a:t>3/30/2021</a:t>
             </a:fld>
             <a:endParaRPr lang="en-US" dirty="0"/>
           </a:p>
@@ -3133,7 +3134,7 @@
           <a:p>
             <a:fld id="{40DA1498-92C7-4E4B-8045-C9195F453964}" type="datetimeFigureOut">
               <a:rPr lang="en-US" smtClean="0"/>
-              <a:t>3/26/2021</a:t>
+              <a:t>3/30/2021</a:t>
             </a:fld>
             <a:endParaRPr lang="en-US" dirty="0"/>
           </a:p>
@@ -3425,7 +3426,7 @@
           <a:p>
             <a:fld id="{40DA1498-92C7-4E4B-8045-C9195F453964}" type="datetimeFigureOut">
               <a:rPr lang="en-US" smtClean="0"/>
-              <a:t>3/26/2021</a:t>
+              <a:t>3/30/2021</a:t>
             </a:fld>
             <a:endParaRPr lang="en-US" dirty="0"/>
           </a:p>
@@ -3666,7 +3667,7 @@
           <a:p>
             <a:fld id="{40DA1498-92C7-4E4B-8045-C9195F453964}" type="datetimeFigureOut">
               <a:rPr lang="en-US" smtClean="0"/>
-              <a:t>3/26/2021</a:t>
+              <a:t>3/30/2021</a:t>
             </a:fld>
             <a:endParaRPr lang="en-US" dirty="0"/>
           </a:p>
@@ -6105,7 +6106,7 @@
         </p:nvSpPr>
         <p:spPr>
           <a:xfrm>
-            <a:off x="4025160" y="3840840"/>
+            <a:off x="9106352" y="4782746"/>
             <a:ext cx="2076480" cy="1961640"/>
           </a:xfrm>
           <a:custGeom>
@@ -6198,7 +6199,7 @@
         </p:nvSpPr>
         <p:spPr>
           <a:xfrm>
-            <a:off x="1470600" y="3840840"/>
+            <a:off x="5623895" y="3602161"/>
             <a:ext cx="2076480" cy="1961640"/>
           </a:xfrm>
           <a:custGeom>
@@ -6291,7 +6292,7 @@
         </p:nvSpPr>
         <p:spPr>
           <a:xfrm>
-            <a:off x="6508440" y="1294200"/>
+            <a:off x="6513660" y="1294200"/>
             <a:ext cx="2076480" cy="1961640"/>
           </a:xfrm>
           <a:custGeom>
@@ -6359,7 +6360,7 @@
         </p:nvSpPr>
         <p:spPr>
           <a:xfrm>
-            <a:off x="3944880" y="1294200"/>
+            <a:off x="2993000" y="2267922"/>
             <a:ext cx="2076480" cy="1961640"/>
           </a:xfrm>
           <a:custGeom>
@@ -6452,7 +6453,7 @@
         </p:nvSpPr>
         <p:spPr>
           <a:xfrm>
-            <a:off x="1370880" y="1294200"/>
+            <a:off x="307429" y="2224880"/>
             <a:ext cx="2076480" cy="1961640"/>
           </a:xfrm>
           <a:custGeom>
@@ -6572,104 +6573,13 @@
       </p:sp>
       <p:sp>
         <p:nvSpPr>
-          <p:cNvPr id="517" name="Line 7"/>
-          <p:cNvSpPr/>
-          <p:nvPr/>
-        </p:nvSpPr>
-        <p:spPr>
-          <a:xfrm>
-            <a:off x="9082080" y="5457240"/>
-            <a:ext cx="1446120" cy="0"/>
-          </a:xfrm>
-          <a:prstGeom prst="line">
-            <a:avLst/>
-          </a:prstGeom>
-          <a:ln w="47625">
-            <a:solidFill>
-              <a:schemeClr val="bg1"/>
-            </a:solidFill>
-            <a:round/>
-          </a:ln>
-        </p:spPr>
-        <p:style>
-          <a:lnRef idx="1">
-            <a:schemeClr val="accent1"/>
-          </a:lnRef>
-          <a:fillRef idx="0">
-            <a:schemeClr val="accent1"/>
-          </a:fillRef>
-          <a:effectRef idx="0">
-            <a:schemeClr val="accent1"/>
-          </a:effectRef>
-          <a:fontRef idx="minor"/>
-        </p:style>
-      </p:sp>
-      <p:sp>
-        <p:nvSpPr>
-          <p:cNvPr id="518" name="CustomShape 8"/>
-          <p:cNvSpPr/>
-          <p:nvPr/>
-        </p:nvSpPr>
-        <p:spPr>
-          <a:xfrm>
-            <a:off x="1156320" y="340560"/>
-            <a:ext cx="5736960" cy="364680"/>
-          </a:xfrm>
-          <a:prstGeom prst="rect">
-            <a:avLst/>
-          </a:prstGeom>
-          <a:noFill/>
-          <a:ln w="0">
-            <a:noFill/>
-          </a:ln>
-        </p:spPr>
-        <p:style>
-          <a:lnRef idx="0">
-            <a:scrgbClr r="0" g="0" b="0"/>
-          </a:lnRef>
-          <a:fillRef idx="0">
-            <a:scrgbClr r="0" g="0" b="0"/>
-          </a:fillRef>
-          <a:effectRef idx="0">
-            <a:scrgbClr r="0" g="0" b="0"/>
-          </a:effectRef>
-          <a:fontRef idx="minor"/>
-        </p:style>
-        <p:txBody>
-          <a:bodyPr lIns="90000" tIns="45000" rIns="90000" bIns="45000">
-            <a:spAutoFit/>
-          </a:bodyPr>
-          <a:lstStyle/>
-          <a:p>
-            <a:pPr>
-              <a:lnSpc>
-                <a:spcPct val="100000"/>
-              </a:lnSpc>
-            </a:pPr>
-            <a:r>
-              <a:rPr lang="en-US" sz="1800" b="0" strike="noStrike" spc="-1">
-                <a:solidFill>
-                  <a:srgbClr val="000000"/>
-                </a:solidFill>
-                <a:latin typeface="Verdana"/>
-              </a:rPr>
-              <a:t>Modules</a:t>
-            </a:r>
-            <a:endParaRPr lang="en-US" sz="1800" b="0" strike="noStrike" spc="-1">
-              <a:latin typeface="Arial"/>
-            </a:endParaRPr>
-          </a:p>
-        </p:txBody>
-      </p:sp>
-      <p:sp>
-        <p:nvSpPr>
           <p:cNvPr id="519" name="CustomShape 9"/>
           <p:cNvSpPr/>
           <p:nvPr/>
         </p:nvSpPr>
         <p:spPr>
           <a:xfrm>
-            <a:off x="6549840" y="1290240"/>
+            <a:off x="5764190" y="340560"/>
             <a:ext cx="2076480" cy="1961640"/>
           </a:xfrm>
           <a:custGeom>
@@ -6781,7 +6691,7 @@
         </p:nvSpPr>
         <p:spPr>
           <a:xfrm>
-            <a:off x="8915400" y="1371600"/>
+            <a:off x="9981900" y="2821106"/>
             <a:ext cx="2076480" cy="1961640"/>
           </a:xfrm>
           <a:custGeom>
@@ -6855,7 +6765,7 @@
               </a:lnSpc>
             </a:pPr>
             <a:r>
-              <a:rPr lang="pt-PT" sz="1800" b="0" strike="noStrike" spc="-1">
+              <a:rPr lang="pt-PT" sz="1800" b="0" strike="noStrike" spc="-1" dirty="0">
                 <a:solidFill>
                   <a:srgbClr val="FFFFFF"/>
                 </a:solidFill>
@@ -6863,7 +6773,7 @@
               </a:rPr>
               <a:t>Statement module</a:t>
             </a:r>
-            <a:endParaRPr lang="en-US" sz="1800" b="0" strike="noStrike" spc="-1">
+            <a:endParaRPr lang="en-US" sz="1800" b="0" strike="noStrike" spc="-1" dirty="0">
               <a:latin typeface="Arial"/>
             </a:endParaRPr>
           </a:p>
@@ -6877,7 +6787,7 @@
         </p:nvSpPr>
         <p:spPr>
           <a:xfrm>
-            <a:off x="6629400" y="3886200"/>
+            <a:off x="8004545" y="1654397"/>
             <a:ext cx="2076480" cy="1961640"/>
           </a:xfrm>
           <a:custGeom>
@@ -6962,6 +6872,252 @@
           </a:p>
         </p:txBody>
       </p:sp>
+      <p:cxnSp>
+        <p:nvCxnSpPr>
+          <p:cNvPr id="3" name="Straight Arrow Connector 2">
+            <a:extLst>
+              <a:ext uri="{FF2B5EF4-FFF2-40B4-BE49-F238E27FC236}">
+                <a16:creationId xmlns:a16="http://schemas.microsoft.com/office/drawing/2014/main" id="{EE78BCF5-6A93-4FEA-863C-B1E283A503B0}"/>
+              </a:ext>
+            </a:extLst>
+          </p:cNvPr>
+          <p:cNvCxnSpPr>
+            <a:cxnSpLocks/>
+          </p:cNvCxnSpPr>
+          <p:nvPr/>
+        </p:nvCxnSpPr>
+        <p:spPr>
+          <a:xfrm>
+            <a:off x="2387177" y="3205700"/>
+            <a:ext cx="596169" cy="0"/>
+          </a:xfrm>
+          <a:prstGeom prst="straightConnector1">
+            <a:avLst/>
+          </a:prstGeom>
+          <a:ln>
+            <a:tailEnd type="triangle"/>
+          </a:ln>
+        </p:spPr>
+        <p:style>
+          <a:lnRef idx="1">
+            <a:schemeClr val="accent1"/>
+          </a:lnRef>
+          <a:fillRef idx="0">
+            <a:schemeClr val="accent1"/>
+          </a:fillRef>
+          <a:effectRef idx="0">
+            <a:schemeClr val="accent1"/>
+          </a:effectRef>
+          <a:fontRef idx="minor">
+            <a:schemeClr val="tx1"/>
+          </a:fontRef>
+        </p:style>
+      </p:cxnSp>
+      <p:cxnSp>
+        <p:nvCxnSpPr>
+          <p:cNvPr id="15" name="Straight Arrow Connector 14">
+            <a:extLst>
+              <a:ext uri="{FF2B5EF4-FFF2-40B4-BE49-F238E27FC236}">
+                <a16:creationId xmlns:a16="http://schemas.microsoft.com/office/drawing/2014/main" id="{9529EDC7-8E32-4FEE-B8C6-8E53E34968F4}"/>
+              </a:ext>
+            </a:extLst>
+          </p:cNvPr>
+          <p:cNvCxnSpPr>
+            <a:cxnSpLocks/>
+          </p:cNvCxnSpPr>
+          <p:nvPr/>
+        </p:nvCxnSpPr>
+        <p:spPr>
+          <a:xfrm flipV="1">
+            <a:off x="5160365" y="2005201"/>
+            <a:ext cx="906480" cy="1128035"/>
+          </a:xfrm>
+          <a:prstGeom prst="straightConnector1">
+            <a:avLst/>
+          </a:prstGeom>
+          <a:ln>
+            <a:tailEnd type="triangle"/>
+          </a:ln>
+        </p:spPr>
+        <p:style>
+          <a:lnRef idx="1">
+            <a:schemeClr val="accent5"/>
+          </a:lnRef>
+          <a:fillRef idx="0">
+            <a:schemeClr val="accent5"/>
+          </a:fillRef>
+          <a:effectRef idx="0">
+            <a:schemeClr val="accent5"/>
+          </a:effectRef>
+          <a:fontRef idx="minor">
+            <a:schemeClr val="tx1"/>
+          </a:fontRef>
+        </p:style>
+      </p:cxnSp>
+      <p:cxnSp>
+        <p:nvCxnSpPr>
+          <p:cNvPr id="20" name="Straight Arrow Connector 19">
+            <a:extLst>
+              <a:ext uri="{FF2B5EF4-FFF2-40B4-BE49-F238E27FC236}">
+                <a16:creationId xmlns:a16="http://schemas.microsoft.com/office/drawing/2014/main" id="{095F00DE-F9D6-4123-A3DB-0255B19284B9}"/>
+              </a:ext>
+            </a:extLst>
+          </p:cNvPr>
+          <p:cNvCxnSpPr>
+            <a:cxnSpLocks/>
+          </p:cNvCxnSpPr>
+          <p:nvPr/>
+        </p:nvCxnSpPr>
+        <p:spPr>
+          <a:xfrm>
+            <a:off x="5177080" y="3133236"/>
+            <a:ext cx="668349" cy="856044"/>
+          </a:xfrm>
+          <a:prstGeom prst="straightConnector1">
+            <a:avLst/>
+          </a:prstGeom>
+          <a:ln>
+            <a:tailEnd type="triangle"/>
+          </a:ln>
+        </p:spPr>
+        <p:style>
+          <a:lnRef idx="1">
+            <a:schemeClr val="accent5"/>
+          </a:lnRef>
+          <a:fillRef idx="0">
+            <a:schemeClr val="accent5"/>
+          </a:fillRef>
+          <a:effectRef idx="0">
+            <a:schemeClr val="accent5"/>
+          </a:effectRef>
+          <a:fontRef idx="minor">
+            <a:schemeClr val="tx1"/>
+          </a:fontRef>
+        </p:style>
+      </p:cxnSp>
+      <p:cxnSp>
+        <p:nvCxnSpPr>
+          <p:cNvPr id="22" name="Straight Arrow Connector 21">
+            <a:extLst>
+              <a:ext uri="{FF2B5EF4-FFF2-40B4-BE49-F238E27FC236}">
+                <a16:creationId xmlns:a16="http://schemas.microsoft.com/office/drawing/2014/main" id="{8662033C-53A9-44CE-B20A-1935EBE58FD9}"/>
+              </a:ext>
+            </a:extLst>
+          </p:cNvPr>
+          <p:cNvCxnSpPr>
+            <a:cxnSpLocks/>
+          </p:cNvCxnSpPr>
+          <p:nvPr/>
+        </p:nvCxnSpPr>
+        <p:spPr>
+          <a:xfrm>
+            <a:off x="7748515" y="4782746"/>
+            <a:ext cx="1309697" cy="521173"/>
+          </a:xfrm>
+          <a:prstGeom prst="straightConnector1">
+            <a:avLst/>
+          </a:prstGeom>
+          <a:ln>
+            <a:tailEnd type="triangle"/>
+          </a:ln>
+        </p:spPr>
+        <p:style>
+          <a:lnRef idx="1">
+            <a:schemeClr val="accent1"/>
+          </a:lnRef>
+          <a:fillRef idx="0">
+            <a:schemeClr val="accent1"/>
+          </a:fillRef>
+          <a:effectRef idx="0">
+            <a:schemeClr val="accent1"/>
+          </a:effectRef>
+          <a:fontRef idx="minor">
+            <a:schemeClr val="tx1"/>
+          </a:fontRef>
+        </p:style>
+      </p:cxnSp>
+      <p:cxnSp>
+        <p:nvCxnSpPr>
+          <p:cNvPr id="24" name="Straight Arrow Connector 23">
+            <a:extLst>
+              <a:ext uri="{FF2B5EF4-FFF2-40B4-BE49-F238E27FC236}">
+                <a16:creationId xmlns:a16="http://schemas.microsoft.com/office/drawing/2014/main" id="{324C819F-EF04-49FA-B10D-B9B98B54CEFC}"/>
+              </a:ext>
+            </a:extLst>
+          </p:cNvPr>
+          <p:cNvCxnSpPr>
+            <a:cxnSpLocks/>
+          </p:cNvCxnSpPr>
+          <p:nvPr/>
+        </p:nvCxnSpPr>
+        <p:spPr>
+          <a:xfrm flipV="1">
+            <a:off x="7755051" y="4110182"/>
+            <a:ext cx="2050089" cy="672565"/>
+          </a:xfrm>
+          <a:prstGeom prst="straightConnector1">
+            <a:avLst/>
+          </a:prstGeom>
+          <a:ln>
+            <a:tailEnd type="triangle"/>
+          </a:ln>
+        </p:spPr>
+        <p:style>
+          <a:lnRef idx="1">
+            <a:schemeClr val="accent1"/>
+          </a:lnRef>
+          <a:fillRef idx="0">
+            <a:schemeClr val="accent1"/>
+          </a:fillRef>
+          <a:effectRef idx="0">
+            <a:schemeClr val="accent1"/>
+          </a:effectRef>
+          <a:fontRef idx="minor">
+            <a:schemeClr val="tx1"/>
+          </a:fontRef>
+        </p:style>
+      </p:cxnSp>
+      <p:cxnSp>
+        <p:nvCxnSpPr>
+          <p:cNvPr id="27" name="Straight Arrow Connector 26">
+            <a:extLst>
+              <a:ext uri="{FF2B5EF4-FFF2-40B4-BE49-F238E27FC236}">
+                <a16:creationId xmlns:a16="http://schemas.microsoft.com/office/drawing/2014/main" id="{EDF86369-E6AD-4593-AE8A-EF702BE05F81}"/>
+              </a:ext>
+            </a:extLst>
+          </p:cNvPr>
+          <p:cNvCxnSpPr>
+            <a:cxnSpLocks/>
+          </p:cNvCxnSpPr>
+          <p:nvPr/>
+        </p:nvCxnSpPr>
+        <p:spPr>
+          <a:xfrm flipV="1">
+            <a:off x="7755051" y="3502912"/>
+            <a:ext cx="715891" cy="1279833"/>
+          </a:xfrm>
+          <a:prstGeom prst="straightConnector1">
+            <a:avLst/>
+          </a:prstGeom>
+          <a:ln>
+            <a:tailEnd type="triangle"/>
+          </a:ln>
+        </p:spPr>
+        <p:style>
+          <a:lnRef idx="1">
+            <a:schemeClr val="accent1"/>
+          </a:lnRef>
+          <a:fillRef idx="0">
+            <a:schemeClr val="accent1"/>
+          </a:fillRef>
+          <a:effectRef idx="0">
+            <a:schemeClr val="accent1"/>
+          </a:effectRef>
+          <a:fontRef idx="minor">
+            <a:schemeClr val="tx1"/>
+          </a:fontRef>
+        </p:style>
+      </p:cxnSp>
     </p:spTree>
   </p:cSld>
   <p:clrMapOvr>
@@ -6973,7 +7129,7 @@
         <p:fade/>
       </p:transition>
     </mc:Choice>
-    <mc:Fallback xmlns="" xmlns:p15="http://schemas.microsoft.com/office/powerpoint/2012/main">
+    <mc:Fallback xmlns:p15="http://schemas.microsoft.com/office/powerpoint/2012/main" xmlns="">
       <p:transition spd="med">
         <p:fade/>
       </p:transition>
@@ -6983,6 +7139,72 @@
 </file>
 
 <file path=ppt/slides/slide5.xml><?xml version="1.0" encoding="utf-8"?>
+<p:sld xmlns:a="http://schemas.openxmlformats.org/drawingml/2006/main" xmlns:r="http://schemas.openxmlformats.org/officeDocument/2006/relationships" xmlns:p="http://schemas.openxmlformats.org/presentationml/2006/main">
+  <p:cSld>
+    <p:spTree>
+      <p:nvGrpSpPr>
+        <p:cNvPr id="1" name=""/>
+        <p:cNvGrpSpPr/>
+        <p:nvPr/>
+      </p:nvGrpSpPr>
+      <p:grpSpPr>
+        <a:xfrm>
+          <a:off x="0" y="0"/>
+          <a:ext cx="0" cy="0"/>
+          <a:chOff x="0" y="0"/>
+          <a:chExt cx="0" cy="0"/>
+        </a:xfrm>
+      </p:grpSpPr>
+      <p:pic>
+        <p:nvPicPr>
+          <p:cNvPr id="3" name="Picture 2">
+            <a:extLst>
+              <a:ext uri="{FF2B5EF4-FFF2-40B4-BE49-F238E27FC236}">
+                <a16:creationId xmlns:a16="http://schemas.microsoft.com/office/drawing/2014/main" id="{5082E9CA-84FF-4A50-8AA1-65933DEA6E88}"/>
+              </a:ext>
+            </a:extLst>
+          </p:cNvPr>
+          <p:cNvPicPr>
+            <a:picLocks noChangeAspect="1"/>
+          </p:cNvPicPr>
+          <p:nvPr/>
+        </p:nvPicPr>
+        <p:blipFill>
+          <a:blip r:embed="rId2">
+            <a:extLst>
+              <a:ext uri="{28A0092B-C50C-407E-A947-70E740481C1C}">
+                <a14:useLocalDpi xmlns:a14="http://schemas.microsoft.com/office/drawing/2010/main" val="0"/>
+              </a:ext>
+            </a:extLst>
+          </a:blip>
+          <a:stretch>
+            <a:fillRect/>
+          </a:stretch>
+        </p:blipFill>
+        <p:spPr>
+          <a:xfrm>
+            <a:off x="873093" y="0"/>
+            <a:ext cx="10445813" cy="6858000"/>
+          </a:xfrm>
+          <a:prstGeom prst="rect">
+            <a:avLst/>
+          </a:prstGeom>
+        </p:spPr>
+      </p:pic>
+    </p:spTree>
+    <p:extLst>
+      <p:ext uri="{BB962C8B-B14F-4D97-AF65-F5344CB8AC3E}">
+        <p14:creationId xmlns:p14="http://schemas.microsoft.com/office/powerpoint/2010/main" val="4257520722"/>
+      </p:ext>
+    </p:extLst>
+  </p:cSld>
+  <p:clrMapOvr>
+    <a:masterClrMapping/>
+  </p:clrMapOvr>
+</p:sld>
+</file>
+
+<file path=ppt/slides/slide6.xml><?xml version="1.0" encoding="utf-8"?>
 <p:sld xmlns:a="http://schemas.openxmlformats.org/drawingml/2006/main" xmlns:r="http://schemas.openxmlformats.org/officeDocument/2006/relationships" xmlns:p="http://schemas.openxmlformats.org/presentationml/2006/main">
   <p:cSld>
     <p:spTree>
@@ -7527,7 +7749,7 @@
 </p:sld>
 </file>
 
-<file path=ppt/slides/slide6.xml><?xml version="1.0" encoding="utf-8"?>
+<file path=ppt/slides/slide7.xml><?xml version="1.0" encoding="utf-8"?>
 <p:sld xmlns:a="http://schemas.openxmlformats.org/drawingml/2006/main" xmlns:r="http://schemas.openxmlformats.org/officeDocument/2006/relationships" xmlns:p="http://schemas.openxmlformats.org/presentationml/2006/main">
   <p:cSld>
     <p:spTree>
@@ -8037,7 +8259,7 @@
 </p:sld>
 </file>
 
-<file path=ppt/slides/slide7.xml><?xml version="1.0" encoding="utf-8"?>
+<file path=ppt/slides/slide8.xml><?xml version="1.0" encoding="utf-8"?>
 <p:sld xmlns:a="http://schemas.openxmlformats.org/drawingml/2006/main" xmlns:r="http://schemas.openxmlformats.org/officeDocument/2006/relationships" xmlns:p="http://schemas.openxmlformats.org/presentationml/2006/main">
   <p:cSld>
     <p:spTree>
@@ -8067,7 +8289,7 @@
 </p:sld>
 </file>
 
-<file path=ppt/slides/slide8.xml><?xml version="1.0" encoding="utf-8"?>
+<file path=ppt/slides/slide9.xml><?xml version="1.0" encoding="utf-8"?>
 <p:sld xmlns:a="http://schemas.openxmlformats.org/drawingml/2006/main" xmlns:r="http://schemas.openxmlformats.org/officeDocument/2006/relationships" xmlns:p="http://schemas.openxmlformats.org/presentationml/2006/main">
   <p:cSld>
     <p:bg>
@@ -9289,20 +9511,20 @@
 </file>
 
 <file path=customXml/item2.xml><?xml version="1.0" encoding="utf-8"?>
+<p:properties xmlns:p="http://schemas.microsoft.com/office/2006/metadata/properties" xmlns:xsi="http://www.w3.org/2001/XMLSchema-instance" xmlns:pc="http://schemas.microsoft.com/office/infopath/2007/PartnerControls">
+  <documentManagement>
+    <MediaServiceKeyPoints xmlns="71af3243-3dd4-4a8d-8c0d-dd76da1f02a5" xsi:nil="true"/>
+  </documentManagement>
+</p:properties>
+</file>
+
+<file path=customXml/item3.xml><?xml version="1.0" encoding="utf-8"?>
 <?mso-contentType ?>
 <FormTemplates xmlns="http://schemas.microsoft.com/sharepoint/v3/contenttype/forms">
   <Display>DocumentLibraryForm</Display>
   <Edit>DocumentLibraryForm</Edit>
   <New>DocumentLibraryForm</New>
 </FormTemplates>
-</file>
-
-<file path=customXml/item3.xml><?xml version="1.0" encoding="utf-8"?>
-<p:properties xmlns:p="http://schemas.microsoft.com/office/2006/metadata/properties" xmlns:xsi="http://www.w3.org/2001/XMLSchema-instance" xmlns:pc="http://schemas.microsoft.com/office/infopath/2007/PartnerControls">
-  <documentManagement>
-    <MediaServiceKeyPoints xmlns="71af3243-3dd4-4a8d-8c0d-dd76da1f02a5" xsi:nil="true"/>
-  </documentManagement>
-</p:properties>
 </file>
 
 <file path=customXml/itemProps1.xml><?xml version="1.0" encoding="utf-8"?>
@@ -9325,14 +9547,6 @@
 </file>
 
 <file path=customXml/itemProps2.xml><?xml version="1.0" encoding="utf-8"?>
-<ds:datastoreItem xmlns:ds="http://schemas.openxmlformats.org/officeDocument/2006/customXml" ds:itemID="{2FD05317-60D6-4B3A-8545-888496D1A8EC}">
-  <ds:schemaRefs>
-    <ds:schemaRef ds:uri="http://schemas.microsoft.com/sharepoint/v3/contenttype/forms"/>
-  </ds:schemaRefs>
-</ds:datastoreItem>
-</file>
-
-<file path=customXml/itemProps3.xml><?xml version="1.0" encoding="utf-8"?>
 <ds:datastoreItem xmlns:ds="http://schemas.openxmlformats.org/officeDocument/2006/customXml" ds:itemID="{EF609EDA-869E-4BE5-AE5D-B898C584B6FF}">
   <ds:schemaRefs>
     <ds:schemaRef ds:uri="http://schemas.microsoft.com/office/2006/metadata/properties"/>
@@ -9340,4 +9554,12 @@
     <ds:schemaRef ds:uri="71af3243-3dd4-4a8d-8c0d-dd76da1f02a5"/>
   </ds:schemaRefs>
 </ds:datastoreItem>
+</file>
+
+<file path=customXml/itemProps3.xml><?xml version="1.0" encoding="utf-8"?>
+<ds:datastoreItem xmlns:ds="http://schemas.openxmlformats.org/officeDocument/2006/customXml" ds:itemID="{2FD05317-60D6-4B3A-8545-888496D1A8EC}">
+  <ds:schemaRefs>
+    <ds:schemaRef ds:uri="http://schemas.microsoft.com/sharepoint/v3/contenttype/forms"/>
+  </ds:schemaRefs>
+</ds:datastoreItem>
 </file>